--- a/misc_planning/logo_idea.pptx
+++ b/misc_planning/logo_idea.pptx
@@ -8,6 +8,8 @@
     <p:sldId id="256" r:id="rId2"/>
     <p:sldId id="257" r:id="rId3"/>
     <p:sldId id="258" r:id="rId4"/>
+    <p:sldId id="259" r:id="rId5"/>
+    <p:sldId id="260" r:id="rId6"/>
   </p:sldIdLst>
   <p:sldSz cx="12192000" cy="6858000"/>
   <p:notesSz cx="6858000" cy="9144000"/>
@@ -106,6 +108,11 @@
       </a:defRPr>
     </a:lvl9pPr>
   </p:defaultTextStyle>
+  <p:extLst>
+    <p:ext uri="{EFAFB233-063F-42B5-8137-9DF3F51BA10A}">
+      <p15:sldGuideLst xmlns:p15="http://schemas.microsoft.com/office/powerpoint/2012/main"/>
+    </p:ext>
+  </p:extLst>
 </p:presentation>
 </file>
 
@@ -256,7 +263,7 @@
           <a:p>
             <a:fld id="{3093C01F-AB09-4B58-A54C-EE15FA5C61B7}" type="datetimeFigureOut">
               <a:rPr lang="en-US" smtClean="0"/>
-              <a:t>2/13/2020</a:t>
+              <a:t>2/26/2020</a:t>
             </a:fld>
             <a:endParaRPr lang="en-US"/>
           </a:p>
@@ -454,7 +461,7 @@
           <a:p>
             <a:fld id="{3093C01F-AB09-4B58-A54C-EE15FA5C61B7}" type="datetimeFigureOut">
               <a:rPr lang="en-US" smtClean="0"/>
-              <a:t>2/13/2020</a:t>
+              <a:t>2/26/2020</a:t>
             </a:fld>
             <a:endParaRPr lang="en-US"/>
           </a:p>
@@ -662,7 +669,7 @@
           <a:p>
             <a:fld id="{3093C01F-AB09-4B58-A54C-EE15FA5C61B7}" type="datetimeFigureOut">
               <a:rPr lang="en-US" smtClean="0"/>
-              <a:t>2/13/2020</a:t>
+              <a:t>2/26/2020</a:t>
             </a:fld>
             <a:endParaRPr lang="en-US"/>
           </a:p>
@@ -860,7 +867,7 @@
           <a:p>
             <a:fld id="{3093C01F-AB09-4B58-A54C-EE15FA5C61B7}" type="datetimeFigureOut">
               <a:rPr lang="en-US" smtClean="0"/>
-              <a:t>2/13/2020</a:t>
+              <a:t>2/26/2020</a:t>
             </a:fld>
             <a:endParaRPr lang="en-US"/>
           </a:p>
@@ -1135,7 +1142,7 @@
           <a:p>
             <a:fld id="{3093C01F-AB09-4B58-A54C-EE15FA5C61B7}" type="datetimeFigureOut">
               <a:rPr lang="en-US" smtClean="0"/>
-              <a:t>2/13/2020</a:t>
+              <a:t>2/26/2020</a:t>
             </a:fld>
             <a:endParaRPr lang="en-US"/>
           </a:p>
@@ -1400,7 +1407,7 @@
           <a:p>
             <a:fld id="{3093C01F-AB09-4B58-A54C-EE15FA5C61B7}" type="datetimeFigureOut">
               <a:rPr lang="en-US" smtClean="0"/>
-              <a:t>2/13/2020</a:t>
+              <a:t>2/26/2020</a:t>
             </a:fld>
             <a:endParaRPr lang="en-US"/>
           </a:p>
@@ -1812,7 +1819,7 @@
           <a:p>
             <a:fld id="{3093C01F-AB09-4B58-A54C-EE15FA5C61B7}" type="datetimeFigureOut">
               <a:rPr lang="en-US" smtClean="0"/>
-              <a:t>2/13/2020</a:t>
+              <a:t>2/26/2020</a:t>
             </a:fld>
             <a:endParaRPr lang="en-US"/>
           </a:p>
@@ -1953,7 +1960,7 @@
           <a:p>
             <a:fld id="{3093C01F-AB09-4B58-A54C-EE15FA5C61B7}" type="datetimeFigureOut">
               <a:rPr lang="en-US" smtClean="0"/>
-              <a:t>2/13/2020</a:t>
+              <a:t>2/26/2020</a:t>
             </a:fld>
             <a:endParaRPr lang="en-US"/>
           </a:p>
@@ -2066,7 +2073,7 @@
           <a:p>
             <a:fld id="{3093C01F-AB09-4B58-A54C-EE15FA5C61B7}" type="datetimeFigureOut">
               <a:rPr lang="en-US" smtClean="0"/>
-              <a:t>2/13/2020</a:t>
+              <a:t>2/26/2020</a:t>
             </a:fld>
             <a:endParaRPr lang="en-US"/>
           </a:p>
@@ -2377,7 +2384,7 @@
           <a:p>
             <a:fld id="{3093C01F-AB09-4B58-A54C-EE15FA5C61B7}" type="datetimeFigureOut">
               <a:rPr lang="en-US" smtClean="0"/>
-              <a:t>2/13/2020</a:t>
+              <a:t>2/26/2020</a:t>
             </a:fld>
             <a:endParaRPr lang="en-US"/>
           </a:p>
@@ -2665,7 +2672,7 @@
           <a:p>
             <a:fld id="{3093C01F-AB09-4B58-A54C-EE15FA5C61B7}" type="datetimeFigureOut">
               <a:rPr lang="en-US" smtClean="0"/>
-              <a:t>2/13/2020</a:t>
+              <a:t>2/26/2020</a:t>
             </a:fld>
             <a:endParaRPr lang="en-US"/>
           </a:p>
@@ -2906,7 +2913,7 @@
           <a:p>
             <a:fld id="{3093C01F-AB09-4B58-A54C-EE15FA5C61B7}" type="datetimeFigureOut">
               <a:rPr lang="en-US" smtClean="0"/>
-              <a:t>2/13/2020</a:t>
+              <a:t>2/26/2020</a:t>
             </a:fld>
             <a:endParaRPr lang="en-US"/>
           </a:p>
@@ -3632,6 +3639,267 @@
           </a:prstGeom>
         </p:spPr>
       </p:pic>
+      <p:sp>
+        <p:nvSpPr>
+          <p:cNvPr id="2" name="Title 1">
+            <a:extLst>
+              <a:ext uri="{FF2B5EF4-FFF2-40B4-BE49-F238E27FC236}">
+                <a16:creationId xmlns:a16="http://schemas.microsoft.com/office/drawing/2014/main" id="{03553CDD-DFF7-491A-BA8E-069BEB178555}"/>
+              </a:ext>
+            </a:extLst>
+          </p:cNvPr>
+          <p:cNvSpPr>
+            <a:spLocks noGrp="1"/>
+          </p:cNvSpPr>
+          <p:nvPr>
+            <p:ph type="title"/>
+          </p:nvPr>
+        </p:nvSpPr>
+        <p:spPr/>
+        <p:txBody>
+          <a:bodyPr/>
+          <a:lstStyle/>
+          <a:p>
+            <a:r>
+              <a:rPr lang="en-ER" dirty="0"/>
+              <a:t>C</a:t>
+            </a:r>
+            <a:r>
+              <a:rPr lang="en-US" dirty="0"/>
+              <a:t>r</a:t>
+            </a:r>
+            <a:r>
+              <a:rPr lang="en-ER" dirty="0"/>
+              <a:t>o</a:t>
+            </a:r>
+            <a:r>
+              <a:rPr lang="en-US" dirty="0"/>
+              <a:t>p</a:t>
+            </a:r>
+            <a:r>
+              <a:rPr lang="en-ER" dirty="0"/>
+              <a:t>p</a:t>
+            </a:r>
+            <a:r>
+              <a:rPr lang="en-US" dirty="0" err="1"/>
+              <a:t>i</a:t>
+            </a:r>
+            <a:r>
+              <a:rPr lang="en-ER" dirty="0"/>
+              <a:t>n</a:t>
+            </a:r>
+            <a:r>
+              <a:rPr lang="en-US" dirty="0"/>
+              <a:t>g</a:t>
+            </a:r>
+            <a:r>
+              <a:rPr lang="en-ER" dirty="0"/>
+              <a:t> </a:t>
+            </a:r>
+            <a:r>
+              <a:rPr lang="en-US" dirty="0"/>
+              <a:t>c</a:t>
+            </a:r>
+            <a:r>
+              <a:rPr lang="en-ER" dirty="0"/>
+              <a:t>l</a:t>
+            </a:r>
+            <a:r>
+              <a:rPr lang="en-US" dirty="0" err="1"/>
+              <a:t>i</a:t>
+            </a:r>
+            <a:r>
+              <a:rPr lang="en-ER" dirty="0"/>
+              <a:t>p</a:t>
+            </a:r>
+            <a:r>
+              <a:rPr lang="en-US" dirty="0"/>
+              <a:t>a</a:t>
+            </a:r>
+            <a:r>
+              <a:rPr lang="en-ER" dirty="0"/>
+              <a:t>r</a:t>
+            </a:r>
+            <a:r>
+              <a:rPr lang="en-US" dirty="0"/>
+              <a:t>t</a:t>
+            </a:r>
+            <a:r>
+              <a:rPr lang="en-ER" dirty="0"/>
+              <a:t> (</a:t>
+            </a:r>
+            <a:r>
+              <a:rPr lang="en-US" dirty="0"/>
+              <a:t>M</a:t>
+            </a:r>
+            <a:r>
+              <a:rPr lang="en-ER" dirty="0" err="1"/>
+              <a:t>i</a:t>
+            </a:r>
+            <a:r>
+              <a:rPr lang="en-US" dirty="0"/>
+              <a:t>c</a:t>
+            </a:r>
+            <a:r>
+              <a:rPr lang="en-ER" dirty="0"/>
+              <a:t>r</a:t>
+            </a:r>
+            <a:r>
+              <a:rPr lang="en-US" dirty="0"/>
+              <a:t>o</a:t>
+            </a:r>
+            <a:r>
+              <a:rPr lang="en-ER" dirty="0"/>
+              <a:t>s</a:t>
+            </a:r>
+            <a:r>
+              <a:rPr lang="en-US" dirty="0"/>
+              <a:t>o</a:t>
+            </a:r>
+            <a:r>
+              <a:rPr lang="en-ER" dirty="0"/>
+              <a:t>f</a:t>
+            </a:r>
+            <a:r>
+              <a:rPr lang="en-US" dirty="0"/>
+              <a:t>t</a:t>
+            </a:r>
+            <a:r>
+              <a:rPr lang="en-ER" dirty="0"/>
+              <a:t> </a:t>
+            </a:r>
+            <a:r>
+              <a:rPr lang="en-US" dirty="0"/>
+              <a:t>P</a:t>
+            </a:r>
+            <a:r>
+              <a:rPr lang="en-ER" dirty="0"/>
+              <a:t>P</a:t>
+            </a:r>
+            <a:r>
+              <a:rPr lang="en-US" dirty="0"/>
+              <a:t>T</a:t>
+            </a:r>
+            <a:r>
+              <a:rPr lang="en-ER" dirty="0"/>
+              <a:t> </a:t>
+            </a:r>
+            <a:r>
+              <a:rPr lang="en-US" dirty="0"/>
+              <a:t>C</a:t>
+            </a:r>
+            <a:r>
+              <a:rPr lang="en-ER" dirty="0"/>
+              <a:t>l</a:t>
+            </a:r>
+            <a:r>
+              <a:rPr lang="en-US" dirty="0" err="1"/>
+              <a:t>i</a:t>
+            </a:r>
+            <a:r>
+              <a:rPr lang="en-ER" dirty="0"/>
+              <a:t>p</a:t>
+            </a:r>
+            <a:r>
+              <a:rPr lang="en-US" dirty="0"/>
+              <a:t>a</a:t>
+            </a:r>
+            <a:r>
+              <a:rPr lang="en-ER" dirty="0"/>
+              <a:t>r</a:t>
+            </a:r>
+            <a:r>
+              <a:rPr lang="en-US" dirty="0"/>
+              <a:t>t</a:t>
+            </a:r>
+            <a:r>
+              <a:rPr lang="en-ER" dirty="0"/>
+              <a:t>, </a:t>
+            </a:r>
+            <a:r>
+              <a:rPr lang="en-US" dirty="0"/>
+              <a:t>s</a:t>
+            </a:r>
+            <a:r>
+              <a:rPr lang="en-ER" dirty="0"/>
+              <a:t>o </a:t>
+            </a:r>
+            <a:r>
+              <a:rPr lang="en-US" dirty="0"/>
+              <a:t>I</a:t>
+            </a:r>
+            <a:r>
+              <a:rPr lang="en-ER" dirty="0"/>
+              <a:t> </a:t>
+            </a:r>
+            <a:r>
+              <a:rPr lang="en-US" dirty="0"/>
+              <a:t>p</a:t>
+            </a:r>
+            <a:r>
+              <a:rPr lang="en-ER" dirty="0"/>
+              <a:t>r</a:t>
+            </a:r>
+            <a:r>
+              <a:rPr lang="en-US" dirty="0"/>
+              <a:t>e</a:t>
+            </a:r>
+            <a:r>
+              <a:rPr lang="en-ER" dirty="0"/>
+              <a:t>s</a:t>
+            </a:r>
+            <a:r>
+              <a:rPr lang="en-US" dirty="0"/>
+              <a:t>u</a:t>
+            </a:r>
+            <a:r>
+              <a:rPr lang="en-ER" dirty="0"/>
+              <a:t>m</a:t>
+            </a:r>
+            <a:r>
+              <a:rPr lang="en-US" dirty="0"/>
+              <a:t>e</a:t>
+            </a:r>
+            <a:r>
+              <a:rPr lang="en-ER" dirty="0"/>
+              <a:t> </a:t>
+            </a:r>
+            <a:r>
+              <a:rPr lang="en-US" dirty="0"/>
+              <a:t>O</a:t>
+            </a:r>
+            <a:r>
+              <a:rPr lang="en-ER" dirty="0"/>
+              <a:t>K </a:t>
+            </a:r>
+            <a:r>
+              <a:rPr lang="en-US" dirty="0"/>
+              <a:t>t</a:t>
+            </a:r>
+            <a:r>
+              <a:rPr lang="en-ER" dirty="0"/>
+              <a:t>o </a:t>
+            </a:r>
+            <a:r>
+              <a:rPr lang="en-US" dirty="0"/>
+              <a:t>u</a:t>
+            </a:r>
+            <a:r>
+              <a:rPr lang="en-ER" dirty="0"/>
+              <a:t>s</a:t>
+            </a:r>
+            <a:r>
+              <a:rPr lang="en-US" dirty="0"/>
+              <a:t>e</a:t>
+            </a:r>
+            <a:r>
+              <a:rPr lang="en-ER" dirty="0"/>
+              <a:t>??</a:t>
+            </a:r>
+            <a:endParaRPr lang="en-US" dirty="0"/>
+          </a:p>
+        </p:txBody>
+      </p:sp>
     </p:spTree>
     <p:extLst>
       <p:ext uri="{BB962C8B-B14F-4D97-AF65-F5344CB8AC3E}">
@@ -3684,8 +3952,38 @@
         </p:blipFill>
         <p:spPr>
           <a:xfrm>
-            <a:off x="3139168" y="1182429"/>
-            <a:ext cx="6279424" cy="4493141"/>
+            <a:off x="6423836" y="1792076"/>
+            <a:ext cx="5106860" cy="3654132"/>
+          </a:xfrm>
+          <a:prstGeom prst="rect">
+            <a:avLst/>
+          </a:prstGeom>
+        </p:spPr>
+      </p:pic>
+      <p:pic>
+        <p:nvPicPr>
+          <p:cNvPr id="3" name="Picture 2">
+            <a:extLst>
+              <a:ext uri="{FF2B5EF4-FFF2-40B4-BE49-F238E27FC236}">
+                <a16:creationId xmlns:a16="http://schemas.microsoft.com/office/drawing/2014/main" id="{AAC7B860-D3B2-48F3-88F4-00B0E683BC2B}"/>
+              </a:ext>
+            </a:extLst>
+          </p:cNvPr>
+          <p:cNvPicPr>
+            <a:picLocks noChangeAspect="1"/>
+          </p:cNvPicPr>
+          <p:nvPr/>
+        </p:nvPicPr>
+        <p:blipFill>
+          <a:blip r:embed="rId3"/>
+          <a:stretch>
+            <a:fillRect/>
+          </a:stretch>
+        </p:blipFill>
+        <p:spPr>
+          <a:xfrm>
+            <a:off x="661304" y="2029664"/>
+            <a:ext cx="5458641" cy="3654132"/>
           </a:xfrm>
           <a:prstGeom prst="rect">
             <a:avLst/>
@@ -3696,6 +3994,1679 @@
     <p:extLst>
       <p:ext uri="{BB962C8B-B14F-4D97-AF65-F5344CB8AC3E}">
         <p14:creationId xmlns:p14="http://schemas.microsoft.com/office/powerpoint/2010/main" val="1945893048"/>
+      </p:ext>
+    </p:extLst>
+  </p:cSld>
+  <p:clrMapOvr>
+    <a:masterClrMapping/>
+  </p:clrMapOvr>
+</p:sld>
+</file>
+
+<file path=ppt/slides/slide4.xml><?xml version="1.0" encoding="utf-8"?>
+<p:sld xmlns:a="http://schemas.openxmlformats.org/drawingml/2006/main" xmlns:r="http://schemas.openxmlformats.org/officeDocument/2006/relationships" xmlns:p="http://schemas.openxmlformats.org/presentationml/2006/main">
+  <p:cSld>
+    <p:spTree>
+      <p:nvGrpSpPr>
+        <p:cNvPr id="1" name=""/>
+        <p:cNvGrpSpPr/>
+        <p:nvPr/>
+      </p:nvGrpSpPr>
+      <p:grpSpPr>
+        <a:xfrm>
+          <a:off x="0" y="0"/>
+          <a:ext cx="0" cy="0"/>
+          <a:chOff x="0" y="0"/>
+          <a:chExt cx="0" cy="0"/>
+        </a:xfrm>
+      </p:grpSpPr>
+      <p:sp>
+        <p:nvSpPr>
+          <p:cNvPr id="2" name="Title 1">
+            <a:extLst>
+              <a:ext uri="{FF2B5EF4-FFF2-40B4-BE49-F238E27FC236}">
+                <a16:creationId xmlns:a16="http://schemas.microsoft.com/office/drawing/2014/main" id="{94F85BFB-7C7F-4CF0-ADF7-8901B0F1205B}"/>
+              </a:ext>
+            </a:extLst>
+          </p:cNvPr>
+          <p:cNvSpPr>
+            <a:spLocks noGrp="1"/>
+          </p:cNvSpPr>
+          <p:nvPr>
+            <p:ph type="title"/>
+          </p:nvPr>
+        </p:nvSpPr>
+        <p:spPr/>
+        <p:txBody>
+          <a:bodyPr>
+            <a:normAutofit/>
+          </a:bodyPr>
+          <a:lstStyle/>
+          <a:p>
+            <a:r>
+              <a:rPr lang="en-ER" dirty="0"/>
+              <a:t>N</a:t>
+            </a:r>
+            <a:r>
+              <a:rPr lang="en-US" dirty="0"/>
+              <a:t>e</a:t>
+            </a:r>
+            <a:r>
+              <a:rPr lang="en-ER" dirty="0"/>
+              <a:t>w </a:t>
+            </a:r>
+            <a:r>
+              <a:rPr lang="en-US" dirty="0"/>
+              <a:t>c</a:t>
+            </a:r>
+            <a:r>
+              <a:rPr lang="en-ER" dirty="0"/>
+              <a:t>l</a:t>
+            </a:r>
+            <a:r>
+              <a:rPr lang="en-US" dirty="0" err="1"/>
+              <a:t>i</a:t>
+            </a:r>
+            <a:r>
+              <a:rPr lang="en-ER" dirty="0"/>
+              <a:t>p </a:t>
+            </a:r>
+            <a:r>
+              <a:rPr lang="en-US" dirty="0"/>
+              <a:t>a</a:t>
+            </a:r>
+            <a:r>
+              <a:rPr lang="en-ER" dirty="0"/>
+              <a:t>r</a:t>
+            </a:r>
+            <a:r>
+              <a:rPr lang="en-US" dirty="0"/>
+              <a:t>t</a:t>
+            </a:r>
+            <a:r>
+              <a:rPr lang="en-ER" dirty="0"/>
+              <a:t>: </a:t>
+            </a:r>
+            <a:r>
+              <a:rPr lang="en-US" dirty="0"/>
+              <a:t>C</a:t>
+            </a:r>
+            <a:r>
+              <a:rPr lang="en-ER" dirty="0"/>
+              <a:t>l</a:t>
+            </a:r>
+            <a:r>
+              <a:rPr lang="en-US" dirty="0"/>
+              <a:t>a</a:t>
+            </a:r>
+            <a:r>
+              <a:rPr lang="en-ER" dirty="0"/>
+              <a:t>s</a:t>
+            </a:r>
+            <a:r>
+              <a:rPr lang="en-US" dirty="0"/>
+              <a:t>s</a:t>
+            </a:r>
+            <a:r>
+              <a:rPr lang="en-ER" dirty="0" err="1"/>
+              <a:t>i</a:t>
+            </a:r>
+            <a:r>
+              <a:rPr lang="en-US" dirty="0"/>
+              <a:t>f</a:t>
+            </a:r>
+            <a:r>
+              <a:rPr lang="en-ER" dirty="0" err="1"/>
+              <a:t>i</a:t>
+            </a:r>
+            <a:r>
+              <a:rPr lang="en-US" dirty="0"/>
+              <a:t>e</a:t>
+            </a:r>
+            <a:r>
+              <a:rPr lang="en-ER" dirty="0"/>
+              <a:t>d Free </a:t>
+            </a:r>
+            <a:r>
+              <a:rPr lang="en-US" dirty="0"/>
+              <a:t>t</a:t>
+            </a:r>
+            <a:r>
+              <a:rPr lang="en-ER" dirty="0"/>
+              <a:t>o Use, from </a:t>
+            </a:r>
+            <a:br>
+              <a:rPr lang="en-ER" dirty="0"/>
+            </a:br>
+            <a:r>
+              <a:rPr lang="en-US" sz="1600" dirty="0"/>
+              <a:t>https://www.needpix.com/photo/1723745/apple-pie-dessert-apple-delicious-sweet-bake-sugar-fruit-cooking</a:t>
+            </a:r>
+            <a:r>
+              <a:rPr lang="en-ER" dirty="0"/>
+              <a:t>: </a:t>
+            </a:r>
+            <a:endParaRPr lang="en-US" dirty="0"/>
+          </a:p>
+        </p:txBody>
+      </p:sp>
+      <p:sp>
+        <p:nvSpPr>
+          <p:cNvPr id="12" name="Half Frame 11">
+            <a:extLst>
+              <a:ext uri="{FF2B5EF4-FFF2-40B4-BE49-F238E27FC236}">
+                <a16:creationId xmlns:a16="http://schemas.microsoft.com/office/drawing/2014/main" id="{B3BE975F-CDF1-416A-B12F-24E089900D85}"/>
+              </a:ext>
+            </a:extLst>
+          </p:cNvPr>
+          <p:cNvSpPr/>
+          <p:nvPr/>
+        </p:nvSpPr>
+        <p:spPr>
+          <a:xfrm flipV="1">
+            <a:off x="2685236" y="1860041"/>
+            <a:ext cx="7373163" cy="3753953"/>
+          </a:xfrm>
+          <a:prstGeom prst="halfFrame">
+            <a:avLst>
+              <a:gd name="adj1" fmla="val 2386"/>
+              <a:gd name="adj2" fmla="val 2215"/>
+            </a:avLst>
+          </a:prstGeom>
+          <a:solidFill>
+            <a:schemeClr val="tx1"/>
+          </a:solidFill>
+          <a:ln>
+            <a:noFill/>
+          </a:ln>
+        </p:spPr>
+        <p:style>
+          <a:lnRef idx="2">
+            <a:schemeClr val="accent1">
+              <a:shade val="50000"/>
+            </a:schemeClr>
+          </a:lnRef>
+          <a:fillRef idx="1">
+            <a:schemeClr val="accent1"/>
+          </a:fillRef>
+          <a:effectRef idx="0">
+            <a:schemeClr val="accent1"/>
+          </a:effectRef>
+          <a:fontRef idx="minor">
+            <a:schemeClr val="lt1"/>
+          </a:fontRef>
+        </p:style>
+        <p:txBody>
+          <a:bodyPr rtlCol="0" anchor="ctr"/>
+          <a:lstStyle/>
+          <a:p>
+            <a:pPr algn="ctr"/>
+            <a:endParaRPr lang="en-US">
+              <a:solidFill>
+                <a:schemeClr val="tx1"/>
+              </a:solidFill>
+            </a:endParaRPr>
+          </a:p>
+        </p:txBody>
+      </p:sp>
+      <p:pic>
+        <p:nvPicPr>
+          <p:cNvPr id="11" name="Picture 10">
+            <a:extLst>
+              <a:ext uri="{FF2B5EF4-FFF2-40B4-BE49-F238E27FC236}">
+                <a16:creationId xmlns:a16="http://schemas.microsoft.com/office/drawing/2014/main" id="{AE447EE6-378A-4BC3-B57E-BB6AE3A5BF8A}"/>
+              </a:ext>
+            </a:extLst>
+          </p:cNvPr>
+          <p:cNvPicPr>
+            <a:picLocks noChangeAspect="1"/>
+          </p:cNvPicPr>
+          <p:nvPr/>
+        </p:nvPicPr>
+        <p:blipFill>
+          <a:blip r:embed="rId2"/>
+          <a:stretch>
+            <a:fillRect/>
+          </a:stretch>
+        </p:blipFill>
+        <p:spPr>
+          <a:xfrm>
+            <a:off x="3648074" y="3200400"/>
+            <a:ext cx="5884920" cy="3083773"/>
+          </a:xfrm>
+          <a:prstGeom prst="rect">
+            <a:avLst/>
+          </a:prstGeom>
+        </p:spPr>
+      </p:pic>
+      <p:sp>
+        <p:nvSpPr>
+          <p:cNvPr id="14" name="Arc 13">
+            <a:extLst>
+              <a:ext uri="{FF2B5EF4-FFF2-40B4-BE49-F238E27FC236}">
+                <a16:creationId xmlns:a16="http://schemas.microsoft.com/office/drawing/2014/main" id="{51B4F4DD-EA15-4F0A-A16E-9F634F4737DA}"/>
+              </a:ext>
+            </a:extLst>
+          </p:cNvPr>
+          <p:cNvSpPr/>
+          <p:nvPr/>
+        </p:nvSpPr>
+        <p:spPr>
+          <a:xfrm flipH="1">
+            <a:off x="3486149" y="3960958"/>
+            <a:ext cx="828675" cy="2993395"/>
+          </a:xfrm>
+          <a:prstGeom prst="arc">
+            <a:avLst>
+              <a:gd name="adj1" fmla="val 21475128"/>
+              <a:gd name="adj2" fmla="val 4886489"/>
+            </a:avLst>
+          </a:prstGeom>
+          <a:ln w="76200">
+            <a:solidFill>
+              <a:srgbClr val="FF0000"/>
+            </a:solidFill>
+            <a:prstDash val="solid"/>
+          </a:ln>
+        </p:spPr>
+        <p:style>
+          <a:lnRef idx="1">
+            <a:schemeClr val="accent1"/>
+          </a:lnRef>
+          <a:fillRef idx="0">
+            <a:schemeClr val="accent1"/>
+          </a:fillRef>
+          <a:effectRef idx="0">
+            <a:schemeClr val="accent1"/>
+          </a:effectRef>
+          <a:fontRef idx="minor">
+            <a:schemeClr val="tx1"/>
+          </a:fontRef>
+        </p:style>
+        <p:txBody>
+          <a:bodyPr rtlCol="0" anchor="ctr"/>
+          <a:lstStyle/>
+          <a:p>
+            <a:pPr algn="ctr"/>
+            <a:endParaRPr lang="en-US"/>
+          </a:p>
+        </p:txBody>
+      </p:sp>
+      <p:sp>
+        <p:nvSpPr>
+          <p:cNvPr id="15" name="Arc 14">
+            <a:extLst>
+              <a:ext uri="{FF2B5EF4-FFF2-40B4-BE49-F238E27FC236}">
+                <a16:creationId xmlns:a16="http://schemas.microsoft.com/office/drawing/2014/main" id="{4858CB6D-49C9-4D01-8A39-10A10755239E}"/>
+              </a:ext>
+            </a:extLst>
+          </p:cNvPr>
+          <p:cNvSpPr/>
+          <p:nvPr/>
+        </p:nvSpPr>
+        <p:spPr>
+          <a:xfrm flipH="1">
+            <a:off x="3486149" y="3200400"/>
+            <a:ext cx="4610102" cy="4354028"/>
+          </a:xfrm>
+          <a:prstGeom prst="arc">
+            <a:avLst>
+              <a:gd name="adj1" fmla="val 12864170"/>
+              <a:gd name="adj2" fmla="val 105640"/>
+            </a:avLst>
+          </a:prstGeom>
+          <a:ln w="76200">
+            <a:solidFill>
+              <a:srgbClr val="FF0000"/>
+            </a:solidFill>
+            <a:prstDash val="solid"/>
+          </a:ln>
+        </p:spPr>
+        <p:style>
+          <a:lnRef idx="1">
+            <a:schemeClr val="accent1"/>
+          </a:lnRef>
+          <a:fillRef idx="0">
+            <a:schemeClr val="accent1"/>
+          </a:fillRef>
+          <a:effectRef idx="0">
+            <a:schemeClr val="accent1"/>
+          </a:effectRef>
+          <a:fontRef idx="minor">
+            <a:schemeClr val="tx1"/>
+          </a:fontRef>
+        </p:style>
+        <p:txBody>
+          <a:bodyPr rtlCol="0" anchor="ctr"/>
+          <a:lstStyle/>
+          <a:p>
+            <a:pPr algn="ctr"/>
+            <a:endParaRPr lang="en-US"/>
+          </a:p>
+        </p:txBody>
+      </p:sp>
+      <p:sp>
+        <p:nvSpPr>
+          <p:cNvPr id="16" name="Arc 15">
+            <a:extLst>
+              <a:ext uri="{FF2B5EF4-FFF2-40B4-BE49-F238E27FC236}">
+                <a16:creationId xmlns:a16="http://schemas.microsoft.com/office/drawing/2014/main" id="{8F9081A0-B822-4F5E-9ED0-1BAD4D3AF474}"/>
+              </a:ext>
+            </a:extLst>
+          </p:cNvPr>
+          <p:cNvSpPr/>
+          <p:nvPr/>
+        </p:nvSpPr>
+        <p:spPr>
+          <a:xfrm flipH="1">
+            <a:off x="7619616" y="3705225"/>
+            <a:ext cx="476633" cy="517946"/>
+          </a:xfrm>
+          <a:prstGeom prst="arc">
+            <a:avLst>
+              <a:gd name="adj1" fmla="val 2075866"/>
+              <a:gd name="adj2" fmla="val 8420771"/>
+            </a:avLst>
+          </a:prstGeom>
+          <a:ln w="76200">
+            <a:solidFill>
+              <a:srgbClr val="FF0000"/>
+            </a:solidFill>
+            <a:prstDash val="solid"/>
+          </a:ln>
+        </p:spPr>
+        <p:style>
+          <a:lnRef idx="1">
+            <a:schemeClr val="accent1"/>
+          </a:lnRef>
+          <a:fillRef idx="0">
+            <a:schemeClr val="accent1"/>
+          </a:fillRef>
+          <a:effectRef idx="0">
+            <a:schemeClr val="accent1"/>
+          </a:effectRef>
+          <a:fontRef idx="minor">
+            <a:schemeClr val="tx1"/>
+          </a:fontRef>
+        </p:style>
+        <p:txBody>
+          <a:bodyPr rtlCol="0" anchor="ctr"/>
+          <a:lstStyle/>
+          <a:p>
+            <a:pPr algn="ctr"/>
+            <a:endParaRPr lang="en-US"/>
+          </a:p>
+        </p:txBody>
+      </p:sp>
+      <p:cxnSp>
+        <p:nvCxnSpPr>
+          <p:cNvPr id="18" name="Straight Connector 17">
+            <a:extLst>
+              <a:ext uri="{FF2B5EF4-FFF2-40B4-BE49-F238E27FC236}">
+                <a16:creationId xmlns:a16="http://schemas.microsoft.com/office/drawing/2014/main" id="{900D39CE-3E0D-4ED0-AB70-95F101E68A07}"/>
+              </a:ext>
+            </a:extLst>
+          </p:cNvPr>
+          <p:cNvCxnSpPr>
+            <a:cxnSpLocks/>
+            <a:stCxn id="16" idx="2"/>
+          </p:cNvCxnSpPr>
+          <p:nvPr/>
+        </p:nvCxnSpPr>
+        <p:spPr>
+          <a:xfrm flipV="1">
+            <a:off x="8047420" y="2195513"/>
+            <a:ext cx="1485574" cy="1925743"/>
+          </a:xfrm>
+          <a:prstGeom prst="line">
+            <a:avLst/>
+          </a:prstGeom>
+          <a:ln w="76200">
+            <a:solidFill>
+              <a:srgbClr val="FF0000"/>
+            </a:solidFill>
+          </a:ln>
+        </p:spPr>
+        <p:style>
+          <a:lnRef idx="1">
+            <a:schemeClr val="accent1"/>
+          </a:lnRef>
+          <a:fillRef idx="0">
+            <a:schemeClr val="accent1"/>
+          </a:fillRef>
+          <a:effectRef idx="0">
+            <a:schemeClr val="accent1"/>
+          </a:effectRef>
+          <a:fontRef idx="minor">
+            <a:schemeClr val="tx1"/>
+          </a:fontRef>
+        </p:style>
+      </p:cxnSp>
+    </p:spTree>
+    <p:extLst>
+      <p:ext uri="{BB962C8B-B14F-4D97-AF65-F5344CB8AC3E}">
+        <p14:creationId xmlns:p14="http://schemas.microsoft.com/office/powerpoint/2010/main" val="3296070444"/>
+      </p:ext>
+    </p:extLst>
+  </p:cSld>
+  <p:clrMapOvr>
+    <a:masterClrMapping/>
+  </p:clrMapOvr>
+</p:sld>
+</file>
+
+<file path=ppt/slides/slide5.xml><?xml version="1.0" encoding="utf-8"?>
+<p:sld xmlns:a="http://schemas.openxmlformats.org/drawingml/2006/main" xmlns:r="http://schemas.openxmlformats.org/officeDocument/2006/relationships" xmlns:p="http://schemas.openxmlformats.org/presentationml/2006/main">
+  <p:cSld>
+    <p:spTree>
+      <p:nvGrpSpPr>
+        <p:cNvPr id="1" name=""/>
+        <p:cNvGrpSpPr/>
+        <p:nvPr/>
+      </p:nvGrpSpPr>
+      <p:grpSpPr>
+        <a:xfrm>
+          <a:off x="0" y="0"/>
+          <a:ext cx="0" cy="0"/>
+          <a:chOff x="0" y="0"/>
+          <a:chExt cx="0" cy="0"/>
+        </a:xfrm>
+      </p:grpSpPr>
+      <p:pic>
+        <p:nvPicPr>
+          <p:cNvPr id="5" name="Picture 4">
+            <a:extLst>
+              <a:ext uri="{FF2B5EF4-FFF2-40B4-BE49-F238E27FC236}">
+                <a16:creationId xmlns:a16="http://schemas.microsoft.com/office/drawing/2014/main" id="{35837389-DFEB-43C8-B626-A90CE0600C56}"/>
+              </a:ext>
+            </a:extLst>
+          </p:cNvPr>
+          <p:cNvPicPr>
+            <a:picLocks noChangeAspect="1"/>
+          </p:cNvPicPr>
+          <p:nvPr/>
+        </p:nvPicPr>
+        <p:blipFill>
+          <a:blip r:embed="rId2"/>
+          <a:stretch>
+            <a:fillRect/>
+          </a:stretch>
+        </p:blipFill>
+        <p:spPr>
+          <a:xfrm>
+            <a:off x="2407600" y="1376660"/>
+            <a:ext cx="7376799" cy="4938188"/>
+          </a:xfrm>
+          <a:prstGeom prst="rect">
+            <a:avLst/>
+          </a:prstGeom>
+        </p:spPr>
+      </p:pic>
+      <p:sp>
+        <p:nvSpPr>
+          <p:cNvPr id="8" name="Rectangle 7">
+            <a:extLst>
+              <a:ext uri="{FF2B5EF4-FFF2-40B4-BE49-F238E27FC236}">
+                <a16:creationId xmlns:a16="http://schemas.microsoft.com/office/drawing/2014/main" id="{6C76DF2A-7A8D-403C-81D9-CF948845246D}"/>
+              </a:ext>
+            </a:extLst>
+          </p:cNvPr>
+          <p:cNvSpPr/>
+          <p:nvPr/>
+        </p:nvSpPr>
+        <p:spPr>
+          <a:xfrm>
+            <a:off x="3158182" y="1376660"/>
+            <a:ext cx="4923144" cy="1107996"/>
+          </a:xfrm>
+          <a:prstGeom prst="rect">
+            <a:avLst/>
+          </a:prstGeom>
+          <a:noFill/>
+        </p:spPr>
+        <p:txBody>
+          <a:bodyPr wrap="none" lIns="91440" tIns="45720" rIns="91440" bIns="45720">
+            <a:spAutoFit/>
+          </a:bodyPr>
+          <a:lstStyle/>
+          <a:p>
+            <a:pPr algn="ctr"/>
+            <a:r>
+              <a:rPr lang="en-ER" sz="6600" b="1" cap="none" spc="0" dirty="0">
+                <a:ln w="22225">
+                  <a:solidFill>
+                    <a:schemeClr val="tx1"/>
+                  </a:solidFill>
+                  <a:prstDash val="solid"/>
+                </a:ln>
+                <a:solidFill>
+                  <a:srgbClr val="FF9900"/>
+                </a:solidFill>
+                <a:effectLst/>
+                <a:latin typeface="Bookman Old Style" panose="02050604050505020204" pitchFamily="18" charset="0"/>
+              </a:rPr>
+              <a:t>E</a:t>
+            </a:r>
+            <a:r>
+              <a:rPr lang="en-US" sz="6600" b="1" cap="none" spc="0" dirty="0">
+                <a:ln w="22225">
+                  <a:solidFill>
+                    <a:schemeClr val="tx1"/>
+                  </a:solidFill>
+                  <a:prstDash val="solid"/>
+                </a:ln>
+                <a:solidFill>
+                  <a:srgbClr val="FF9900"/>
+                </a:solidFill>
+                <a:effectLst/>
+                <a:latin typeface="Bookman Old Style" panose="02050604050505020204" pitchFamily="18" charset="0"/>
+              </a:rPr>
+              <a:t>I</a:t>
+            </a:r>
+            <a:r>
+              <a:rPr lang="en-ER" sz="6600" b="1" cap="none" spc="0" dirty="0">
+                <a:ln w="22225">
+                  <a:solidFill>
+                    <a:schemeClr val="tx1"/>
+                  </a:solidFill>
+                  <a:prstDash val="solid"/>
+                </a:ln>
+                <a:solidFill>
+                  <a:srgbClr val="FF9900"/>
+                </a:solidFill>
+                <a:effectLst/>
+                <a:latin typeface="Bookman Old Style" panose="02050604050505020204" pitchFamily="18" charset="0"/>
+              </a:rPr>
+              <a:t>S</a:t>
+            </a:r>
+            <a:r>
+              <a:rPr lang="en-US" sz="6600" b="1" cap="none" spc="0" dirty="0">
+                <a:ln w="22225">
+                  <a:solidFill>
+                    <a:schemeClr val="tx1"/>
+                  </a:solidFill>
+                  <a:prstDash val="solid"/>
+                </a:ln>
+                <a:solidFill>
+                  <a:srgbClr val="FF9900"/>
+                </a:solidFill>
+                <a:effectLst/>
+                <a:latin typeface="Bookman Old Style" panose="02050604050505020204" pitchFamily="18" charset="0"/>
+              </a:rPr>
+              <a:t>y</a:t>
+            </a:r>
+            <a:r>
+              <a:rPr lang="en-ER" sz="6600" b="1" cap="none" spc="0" dirty="0">
+                <a:ln w="22225">
+                  <a:solidFill>
+                    <a:schemeClr val="tx1"/>
+                  </a:solidFill>
+                  <a:prstDash val="solid"/>
+                </a:ln>
+                <a:solidFill>
+                  <a:srgbClr val="FF9900"/>
+                </a:solidFill>
+                <a:effectLst/>
+                <a:latin typeface="Bookman Old Style" panose="02050604050505020204" pitchFamily="18" charset="0"/>
+              </a:rPr>
+              <a:t> </a:t>
+            </a:r>
+            <a:r>
+              <a:rPr lang="en-US" sz="6600" b="1" cap="none" spc="0" dirty="0">
+                <a:ln w="22225">
+                  <a:solidFill>
+                    <a:schemeClr val="tx1"/>
+                  </a:solidFill>
+                  <a:prstDash val="solid"/>
+                </a:ln>
+                <a:solidFill>
+                  <a:srgbClr val="FF9900"/>
+                </a:solidFill>
+                <a:effectLst/>
+                <a:latin typeface="Bookman Old Style" panose="02050604050505020204" pitchFamily="18" charset="0"/>
+              </a:rPr>
+              <a:t>A</a:t>
+            </a:r>
+            <a:r>
+              <a:rPr lang="en-ER" sz="6600" b="1" cap="none" spc="0" dirty="0">
+                <a:ln w="22225">
+                  <a:solidFill>
+                    <a:schemeClr val="tx1"/>
+                  </a:solidFill>
+                  <a:prstDash val="solid"/>
+                </a:ln>
+                <a:solidFill>
+                  <a:srgbClr val="FF9900"/>
+                </a:solidFill>
+                <a:effectLst/>
+                <a:latin typeface="Bookman Old Style" panose="02050604050505020204" pitchFamily="18" charset="0"/>
+              </a:rPr>
+              <a:t>s </a:t>
+            </a:r>
+            <a:r>
+              <a:rPr lang="en-US" sz="6600" b="1" cap="none" spc="0" dirty="0">
+                <a:ln w="22225">
+                  <a:solidFill>
+                    <a:schemeClr val="tx1"/>
+                  </a:solidFill>
+                  <a:prstDash val="solid"/>
+                </a:ln>
+                <a:solidFill>
+                  <a:srgbClr val="FF9900"/>
+                </a:solidFill>
+                <a:effectLst/>
+                <a:latin typeface="Bookman Old Style" panose="02050604050505020204" pitchFamily="18" charset="0"/>
+              </a:rPr>
+              <a:t>P</a:t>
+            </a:r>
+            <a:r>
+              <a:rPr lang="en-ER" sz="6600" b="1" cap="none" spc="0" dirty="0">
+                <a:ln w="22225">
+                  <a:solidFill>
+                    <a:schemeClr val="tx1"/>
+                  </a:solidFill>
+                  <a:prstDash val="solid"/>
+                </a:ln>
+                <a:solidFill>
+                  <a:srgbClr val="FF9900"/>
+                </a:solidFill>
+                <a:effectLst/>
+                <a:latin typeface="Bookman Old Style" panose="02050604050505020204" pitchFamily="18" charset="0"/>
+              </a:rPr>
+              <a:t>y</a:t>
+            </a:r>
+            <a:endParaRPr lang="en-US" sz="6600" b="1" cap="none" spc="0" dirty="0">
+              <a:ln w="22225">
+                <a:solidFill>
+                  <a:schemeClr val="tx1"/>
+                </a:solidFill>
+                <a:prstDash val="solid"/>
+              </a:ln>
+              <a:solidFill>
+                <a:srgbClr val="FF9900"/>
+              </a:solidFill>
+              <a:effectLst/>
+              <a:latin typeface="Bookman Old Style" panose="02050604050505020204" pitchFamily="18" charset="0"/>
+            </a:endParaRPr>
+          </a:p>
+        </p:txBody>
+      </p:sp>
+      <p:sp>
+        <p:nvSpPr>
+          <p:cNvPr id="9" name="Star: 5 Points 8">
+            <a:extLst>
+              <a:ext uri="{FF2B5EF4-FFF2-40B4-BE49-F238E27FC236}">
+                <a16:creationId xmlns:a16="http://schemas.microsoft.com/office/drawing/2014/main" id="{95498AED-2999-4958-855B-955F3DC211B0}"/>
+              </a:ext>
+            </a:extLst>
+          </p:cNvPr>
+          <p:cNvSpPr/>
+          <p:nvPr/>
+        </p:nvSpPr>
+        <p:spPr>
+          <a:xfrm>
+            <a:off x="3084685" y="4867275"/>
+            <a:ext cx="191915" cy="142874"/>
+          </a:xfrm>
+          <a:prstGeom prst="star5">
+            <a:avLst/>
+          </a:prstGeom>
+          <a:solidFill>
+            <a:schemeClr val="tx1"/>
+          </a:solidFill>
+          <a:ln>
+            <a:solidFill>
+              <a:schemeClr val="tx1"/>
+            </a:solidFill>
+          </a:ln>
+        </p:spPr>
+        <p:style>
+          <a:lnRef idx="2">
+            <a:schemeClr val="accent1">
+              <a:shade val="50000"/>
+            </a:schemeClr>
+          </a:lnRef>
+          <a:fillRef idx="1">
+            <a:schemeClr val="accent1"/>
+          </a:fillRef>
+          <a:effectRef idx="0">
+            <a:schemeClr val="accent1"/>
+          </a:effectRef>
+          <a:fontRef idx="minor">
+            <a:schemeClr val="lt1"/>
+          </a:fontRef>
+        </p:style>
+        <p:txBody>
+          <a:bodyPr rtlCol="0" anchor="ctr"/>
+          <a:lstStyle/>
+          <a:p>
+            <a:pPr algn="ctr"/>
+            <a:endParaRPr lang="en-US"/>
+          </a:p>
+        </p:txBody>
+      </p:sp>
+      <p:sp>
+        <p:nvSpPr>
+          <p:cNvPr id="10" name="Star: 5 Points 9">
+            <a:extLst>
+              <a:ext uri="{FF2B5EF4-FFF2-40B4-BE49-F238E27FC236}">
+                <a16:creationId xmlns:a16="http://schemas.microsoft.com/office/drawing/2014/main" id="{0E593080-5B5A-4533-9FCF-58CA5FC3100F}"/>
+              </a:ext>
+            </a:extLst>
+          </p:cNvPr>
+          <p:cNvSpPr/>
+          <p:nvPr/>
+        </p:nvSpPr>
+        <p:spPr>
+          <a:xfrm>
+            <a:off x="3141127" y="5162549"/>
+            <a:ext cx="191915" cy="142874"/>
+          </a:xfrm>
+          <a:prstGeom prst="star5">
+            <a:avLst/>
+          </a:prstGeom>
+          <a:solidFill>
+            <a:schemeClr val="tx1"/>
+          </a:solidFill>
+          <a:ln>
+            <a:solidFill>
+              <a:schemeClr val="tx1"/>
+            </a:solidFill>
+          </a:ln>
+        </p:spPr>
+        <p:style>
+          <a:lnRef idx="2">
+            <a:schemeClr val="accent1">
+              <a:shade val="50000"/>
+            </a:schemeClr>
+          </a:lnRef>
+          <a:fillRef idx="1">
+            <a:schemeClr val="accent1"/>
+          </a:fillRef>
+          <a:effectRef idx="0">
+            <a:schemeClr val="accent1"/>
+          </a:effectRef>
+          <a:fontRef idx="minor">
+            <a:schemeClr val="lt1"/>
+          </a:fontRef>
+        </p:style>
+        <p:txBody>
+          <a:bodyPr rtlCol="0" anchor="ctr"/>
+          <a:lstStyle/>
+          <a:p>
+            <a:pPr algn="ctr"/>
+            <a:endParaRPr lang="en-US"/>
+          </a:p>
+        </p:txBody>
+      </p:sp>
+      <p:sp>
+        <p:nvSpPr>
+          <p:cNvPr id="11" name="Star: 5 Points 10">
+            <a:extLst>
+              <a:ext uri="{FF2B5EF4-FFF2-40B4-BE49-F238E27FC236}">
+                <a16:creationId xmlns:a16="http://schemas.microsoft.com/office/drawing/2014/main" id="{3C554253-F5D1-4CBB-8D0F-7E8F0355BDDC}"/>
+              </a:ext>
+            </a:extLst>
+          </p:cNvPr>
+          <p:cNvSpPr/>
+          <p:nvPr/>
+        </p:nvSpPr>
+        <p:spPr>
+          <a:xfrm>
+            <a:off x="3138424" y="5519624"/>
+            <a:ext cx="191915" cy="142874"/>
+          </a:xfrm>
+          <a:prstGeom prst="star5">
+            <a:avLst/>
+          </a:prstGeom>
+          <a:solidFill>
+            <a:schemeClr val="tx1"/>
+          </a:solidFill>
+          <a:ln>
+            <a:solidFill>
+              <a:schemeClr val="tx1"/>
+            </a:solidFill>
+          </a:ln>
+        </p:spPr>
+        <p:style>
+          <a:lnRef idx="2">
+            <a:schemeClr val="accent1">
+              <a:shade val="50000"/>
+            </a:schemeClr>
+          </a:lnRef>
+          <a:fillRef idx="1">
+            <a:schemeClr val="accent1"/>
+          </a:fillRef>
+          <a:effectRef idx="0">
+            <a:schemeClr val="accent1"/>
+          </a:effectRef>
+          <a:fontRef idx="minor">
+            <a:schemeClr val="lt1"/>
+          </a:fontRef>
+        </p:style>
+        <p:txBody>
+          <a:bodyPr rtlCol="0" anchor="ctr"/>
+          <a:lstStyle/>
+          <a:p>
+            <a:pPr algn="ctr"/>
+            <a:endParaRPr lang="en-US"/>
+          </a:p>
+        </p:txBody>
+      </p:sp>
+      <p:sp>
+        <p:nvSpPr>
+          <p:cNvPr id="12" name="Star: 5 Points 11">
+            <a:extLst>
+              <a:ext uri="{FF2B5EF4-FFF2-40B4-BE49-F238E27FC236}">
+                <a16:creationId xmlns:a16="http://schemas.microsoft.com/office/drawing/2014/main" id="{2BAC2C3D-7FA6-4313-A700-B94B98349DE4}"/>
+              </a:ext>
+            </a:extLst>
+          </p:cNvPr>
+          <p:cNvSpPr/>
+          <p:nvPr/>
+        </p:nvSpPr>
+        <p:spPr>
+          <a:xfrm>
+            <a:off x="3276600" y="6171974"/>
+            <a:ext cx="191915" cy="142874"/>
+          </a:xfrm>
+          <a:prstGeom prst="star5">
+            <a:avLst/>
+          </a:prstGeom>
+          <a:solidFill>
+            <a:schemeClr val="tx1"/>
+          </a:solidFill>
+          <a:ln>
+            <a:solidFill>
+              <a:schemeClr val="tx1"/>
+            </a:solidFill>
+          </a:ln>
+        </p:spPr>
+        <p:style>
+          <a:lnRef idx="2">
+            <a:schemeClr val="accent1">
+              <a:shade val="50000"/>
+            </a:schemeClr>
+          </a:lnRef>
+          <a:fillRef idx="1">
+            <a:schemeClr val="accent1"/>
+          </a:fillRef>
+          <a:effectRef idx="0">
+            <a:schemeClr val="accent1"/>
+          </a:effectRef>
+          <a:fontRef idx="minor">
+            <a:schemeClr val="lt1"/>
+          </a:fontRef>
+        </p:style>
+        <p:txBody>
+          <a:bodyPr rtlCol="0" anchor="ctr"/>
+          <a:lstStyle/>
+          <a:p>
+            <a:pPr algn="ctr"/>
+            <a:endParaRPr lang="en-US"/>
+          </a:p>
+        </p:txBody>
+      </p:sp>
+      <p:sp>
+        <p:nvSpPr>
+          <p:cNvPr id="13" name="Star: 5 Points 12">
+            <a:extLst>
+              <a:ext uri="{FF2B5EF4-FFF2-40B4-BE49-F238E27FC236}">
+                <a16:creationId xmlns:a16="http://schemas.microsoft.com/office/drawing/2014/main" id="{09B1D9C3-5A65-4D31-9963-FC5FF8718CD9}"/>
+              </a:ext>
+            </a:extLst>
+          </p:cNvPr>
+          <p:cNvSpPr/>
+          <p:nvPr/>
+        </p:nvSpPr>
+        <p:spPr>
+          <a:xfrm>
+            <a:off x="3180642" y="5814898"/>
+            <a:ext cx="191915" cy="142874"/>
+          </a:xfrm>
+          <a:prstGeom prst="star5">
+            <a:avLst/>
+          </a:prstGeom>
+          <a:solidFill>
+            <a:schemeClr val="tx1"/>
+          </a:solidFill>
+          <a:ln>
+            <a:solidFill>
+              <a:schemeClr val="tx1"/>
+            </a:solidFill>
+          </a:ln>
+        </p:spPr>
+        <p:style>
+          <a:lnRef idx="2">
+            <a:schemeClr val="accent1">
+              <a:shade val="50000"/>
+            </a:schemeClr>
+          </a:lnRef>
+          <a:fillRef idx="1">
+            <a:schemeClr val="accent1"/>
+          </a:fillRef>
+          <a:effectRef idx="0">
+            <a:schemeClr val="accent1"/>
+          </a:effectRef>
+          <a:fontRef idx="minor">
+            <a:schemeClr val="lt1"/>
+          </a:fontRef>
+        </p:style>
+        <p:txBody>
+          <a:bodyPr rtlCol="0" anchor="ctr"/>
+          <a:lstStyle/>
+          <a:p>
+            <a:pPr algn="ctr"/>
+            <a:endParaRPr lang="en-US"/>
+          </a:p>
+        </p:txBody>
+      </p:sp>
+      <p:sp>
+        <p:nvSpPr>
+          <p:cNvPr id="14" name="Star: 5 Points 13">
+            <a:extLst>
+              <a:ext uri="{FF2B5EF4-FFF2-40B4-BE49-F238E27FC236}">
+                <a16:creationId xmlns:a16="http://schemas.microsoft.com/office/drawing/2014/main" id="{22CA9132-C7C1-4122-A5D3-F56979BFC364}"/>
+              </a:ext>
+            </a:extLst>
+          </p:cNvPr>
+          <p:cNvSpPr/>
+          <p:nvPr/>
+        </p:nvSpPr>
+        <p:spPr>
+          <a:xfrm>
+            <a:off x="3084685" y="4653073"/>
+            <a:ext cx="191915" cy="142874"/>
+          </a:xfrm>
+          <a:prstGeom prst="star5">
+            <a:avLst/>
+          </a:prstGeom>
+          <a:solidFill>
+            <a:schemeClr val="tx1"/>
+          </a:solidFill>
+          <a:ln>
+            <a:solidFill>
+              <a:schemeClr val="tx1"/>
+            </a:solidFill>
+          </a:ln>
+        </p:spPr>
+        <p:style>
+          <a:lnRef idx="2">
+            <a:schemeClr val="accent1">
+              <a:shade val="50000"/>
+            </a:schemeClr>
+          </a:lnRef>
+          <a:fillRef idx="1">
+            <a:schemeClr val="accent1"/>
+          </a:fillRef>
+          <a:effectRef idx="0">
+            <a:schemeClr val="accent1"/>
+          </a:effectRef>
+          <a:fontRef idx="minor">
+            <a:schemeClr val="lt1"/>
+          </a:fontRef>
+        </p:style>
+        <p:txBody>
+          <a:bodyPr rtlCol="0" anchor="ctr"/>
+          <a:lstStyle/>
+          <a:p>
+            <a:pPr algn="ctr"/>
+            <a:endParaRPr lang="en-US"/>
+          </a:p>
+        </p:txBody>
+      </p:sp>
+      <p:sp>
+        <p:nvSpPr>
+          <p:cNvPr id="15" name="Star: 5 Points 14">
+            <a:extLst>
+              <a:ext uri="{FF2B5EF4-FFF2-40B4-BE49-F238E27FC236}">
+                <a16:creationId xmlns:a16="http://schemas.microsoft.com/office/drawing/2014/main" id="{B88BCD69-09C2-454E-84A6-73E692D6A953}"/>
+              </a:ext>
+            </a:extLst>
+          </p:cNvPr>
+          <p:cNvSpPr/>
+          <p:nvPr/>
+        </p:nvSpPr>
+        <p:spPr>
+          <a:xfrm>
+            <a:off x="3234381" y="4143488"/>
+            <a:ext cx="191915" cy="142874"/>
+          </a:xfrm>
+          <a:prstGeom prst="star5">
+            <a:avLst/>
+          </a:prstGeom>
+          <a:solidFill>
+            <a:schemeClr val="tx1"/>
+          </a:solidFill>
+          <a:ln>
+            <a:solidFill>
+              <a:schemeClr val="tx1"/>
+            </a:solidFill>
+          </a:ln>
+        </p:spPr>
+        <p:style>
+          <a:lnRef idx="2">
+            <a:schemeClr val="accent1">
+              <a:shade val="50000"/>
+            </a:schemeClr>
+          </a:lnRef>
+          <a:fillRef idx="1">
+            <a:schemeClr val="accent1"/>
+          </a:fillRef>
+          <a:effectRef idx="0">
+            <a:schemeClr val="accent1"/>
+          </a:effectRef>
+          <a:fontRef idx="minor">
+            <a:schemeClr val="lt1"/>
+          </a:fontRef>
+        </p:style>
+        <p:txBody>
+          <a:bodyPr rtlCol="0" anchor="ctr"/>
+          <a:lstStyle/>
+          <a:p>
+            <a:pPr algn="ctr"/>
+            <a:endParaRPr lang="en-US"/>
+          </a:p>
+        </p:txBody>
+      </p:sp>
+      <p:sp>
+        <p:nvSpPr>
+          <p:cNvPr id="16" name="Star: 5 Points 15">
+            <a:extLst>
+              <a:ext uri="{FF2B5EF4-FFF2-40B4-BE49-F238E27FC236}">
+                <a16:creationId xmlns:a16="http://schemas.microsoft.com/office/drawing/2014/main" id="{FD6913FF-94AD-48AD-8EEF-E1CD14E92493}"/>
+              </a:ext>
+            </a:extLst>
+          </p:cNvPr>
+          <p:cNvSpPr/>
+          <p:nvPr/>
+        </p:nvSpPr>
+        <p:spPr>
+          <a:xfrm>
+            <a:off x="3608560" y="3447936"/>
+            <a:ext cx="191915" cy="142874"/>
+          </a:xfrm>
+          <a:prstGeom prst="star5">
+            <a:avLst/>
+          </a:prstGeom>
+          <a:solidFill>
+            <a:schemeClr val="tx1"/>
+          </a:solidFill>
+          <a:ln>
+            <a:solidFill>
+              <a:schemeClr val="tx1"/>
+            </a:solidFill>
+          </a:ln>
+        </p:spPr>
+        <p:style>
+          <a:lnRef idx="2">
+            <a:schemeClr val="accent1">
+              <a:shade val="50000"/>
+            </a:schemeClr>
+          </a:lnRef>
+          <a:fillRef idx="1">
+            <a:schemeClr val="accent1"/>
+          </a:fillRef>
+          <a:effectRef idx="0">
+            <a:schemeClr val="accent1"/>
+          </a:effectRef>
+          <a:fontRef idx="minor">
+            <a:schemeClr val="lt1"/>
+          </a:fontRef>
+        </p:style>
+        <p:txBody>
+          <a:bodyPr rtlCol="0" anchor="ctr"/>
+          <a:lstStyle/>
+          <a:p>
+            <a:pPr algn="ctr"/>
+            <a:endParaRPr lang="en-US"/>
+          </a:p>
+        </p:txBody>
+      </p:sp>
+      <p:sp>
+        <p:nvSpPr>
+          <p:cNvPr id="17" name="Star: 5 Points 16">
+            <a:extLst>
+              <a:ext uri="{FF2B5EF4-FFF2-40B4-BE49-F238E27FC236}">
+                <a16:creationId xmlns:a16="http://schemas.microsoft.com/office/drawing/2014/main" id="{2DE17CCD-BAB5-4E00-A040-B83EFD598C35}"/>
+              </a:ext>
+            </a:extLst>
+          </p:cNvPr>
+          <p:cNvSpPr/>
+          <p:nvPr/>
+        </p:nvSpPr>
+        <p:spPr>
+          <a:xfrm>
+            <a:off x="4294360" y="2894859"/>
+            <a:ext cx="191915" cy="142874"/>
+          </a:xfrm>
+          <a:prstGeom prst="star5">
+            <a:avLst/>
+          </a:prstGeom>
+          <a:solidFill>
+            <a:schemeClr val="tx1"/>
+          </a:solidFill>
+          <a:ln>
+            <a:solidFill>
+              <a:schemeClr val="tx1"/>
+            </a:solidFill>
+          </a:ln>
+        </p:spPr>
+        <p:style>
+          <a:lnRef idx="2">
+            <a:schemeClr val="accent1">
+              <a:shade val="50000"/>
+            </a:schemeClr>
+          </a:lnRef>
+          <a:fillRef idx="1">
+            <a:schemeClr val="accent1"/>
+          </a:fillRef>
+          <a:effectRef idx="0">
+            <a:schemeClr val="accent1"/>
+          </a:effectRef>
+          <a:fontRef idx="minor">
+            <a:schemeClr val="lt1"/>
+          </a:fontRef>
+        </p:style>
+        <p:txBody>
+          <a:bodyPr rtlCol="0" anchor="ctr"/>
+          <a:lstStyle/>
+          <a:p>
+            <a:pPr algn="ctr"/>
+            <a:endParaRPr lang="en-US"/>
+          </a:p>
+        </p:txBody>
+      </p:sp>
+      <p:sp>
+        <p:nvSpPr>
+          <p:cNvPr id="18" name="Star: 5 Points 17">
+            <a:extLst>
+              <a:ext uri="{FF2B5EF4-FFF2-40B4-BE49-F238E27FC236}">
+                <a16:creationId xmlns:a16="http://schemas.microsoft.com/office/drawing/2014/main" id="{2733D2FE-BC78-4405-A8E7-211D8CB2BE02}"/>
+              </a:ext>
+            </a:extLst>
+          </p:cNvPr>
+          <p:cNvSpPr/>
+          <p:nvPr/>
+        </p:nvSpPr>
+        <p:spPr>
+          <a:xfrm>
+            <a:off x="4951585" y="2675356"/>
+            <a:ext cx="191915" cy="142874"/>
+          </a:xfrm>
+          <a:prstGeom prst="star5">
+            <a:avLst/>
+          </a:prstGeom>
+          <a:solidFill>
+            <a:schemeClr val="tx1"/>
+          </a:solidFill>
+          <a:ln>
+            <a:solidFill>
+              <a:schemeClr val="tx1"/>
+            </a:solidFill>
+          </a:ln>
+        </p:spPr>
+        <p:style>
+          <a:lnRef idx="2">
+            <a:schemeClr val="accent1">
+              <a:shade val="50000"/>
+            </a:schemeClr>
+          </a:lnRef>
+          <a:fillRef idx="1">
+            <a:schemeClr val="accent1"/>
+          </a:fillRef>
+          <a:effectRef idx="0">
+            <a:schemeClr val="accent1"/>
+          </a:effectRef>
+          <a:fontRef idx="minor">
+            <a:schemeClr val="lt1"/>
+          </a:fontRef>
+        </p:style>
+        <p:txBody>
+          <a:bodyPr rtlCol="0" anchor="ctr"/>
+          <a:lstStyle/>
+          <a:p>
+            <a:pPr algn="ctr"/>
+            <a:endParaRPr lang="en-US"/>
+          </a:p>
+        </p:txBody>
+      </p:sp>
+      <p:sp>
+        <p:nvSpPr>
+          <p:cNvPr id="19" name="Star: 5 Points 18">
+            <a:extLst>
+              <a:ext uri="{FF2B5EF4-FFF2-40B4-BE49-F238E27FC236}">
+                <a16:creationId xmlns:a16="http://schemas.microsoft.com/office/drawing/2014/main" id="{7EB8813F-BC6D-4B94-A696-C69C87CF4433}"/>
+              </a:ext>
+            </a:extLst>
+          </p:cNvPr>
+          <p:cNvSpPr/>
+          <p:nvPr/>
+        </p:nvSpPr>
+        <p:spPr>
+          <a:xfrm>
+            <a:off x="5523796" y="2618320"/>
+            <a:ext cx="191915" cy="142874"/>
+          </a:xfrm>
+          <a:prstGeom prst="star5">
+            <a:avLst/>
+          </a:prstGeom>
+          <a:solidFill>
+            <a:schemeClr val="tx1"/>
+          </a:solidFill>
+          <a:ln>
+            <a:solidFill>
+              <a:schemeClr val="tx1"/>
+            </a:solidFill>
+          </a:ln>
+        </p:spPr>
+        <p:style>
+          <a:lnRef idx="2">
+            <a:schemeClr val="accent1">
+              <a:shade val="50000"/>
+            </a:schemeClr>
+          </a:lnRef>
+          <a:fillRef idx="1">
+            <a:schemeClr val="accent1"/>
+          </a:fillRef>
+          <a:effectRef idx="0">
+            <a:schemeClr val="accent1"/>
+          </a:effectRef>
+          <a:fontRef idx="minor">
+            <a:schemeClr val="lt1"/>
+          </a:fontRef>
+        </p:style>
+        <p:txBody>
+          <a:bodyPr rtlCol="0" anchor="ctr"/>
+          <a:lstStyle/>
+          <a:p>
+            <a:pPr algn="ctr"/>
+            <a:endParaRPr lang="en-US"/>
+          </a:p>
+        </p:txBody>
+      </p:sp>
+      <p:sp>
+        <p:nvSpPr>
+          <p:cNvPr id="20" name="Star: 5 Points 19">
+            <a:extLst>
+              <a:ext uri="{FF2B5EF4-FFF2-40B4-BE49-F238E27FC236}">
+                <a16:creationId xmlns:a16="http://schemas.microsoft.com/office/drawing/2014/main" id="{0B42A222-43D2-41BF-B425-EFAAF363B922}"/>
+              </a:ext>
+            </a:extLst>
+          </p:cNvPr>
+          <p:cNvSpPr/>
+          <p:nvPr/>
+        </p:nvSpPr>
+        <p:spPr>
+          <a:xfrm>
+            <a:off x="6373746" y="2841844"/>
+            <a:ext cx="191915" cy="142874"/>
+          </a:xfrm>
+          <a:prstGeom prst="star5">
+            <a:avLst/>
+          </a:prstGeom>
+          <a:solidFill>
+            <a:schemeClr val="tx1"/>
+          </a:solidFill>
+          <a:ln>
+            <a:solidFill>
+              <a:schemeClr val="tx1"/>
+            </a:solidFill>
+          </a:ln>
+        </p:spPr>
+        <p:style>
+          <a:lnRef idx="2">
+            <a:schemeClr val="accent1">
+              <a:shade val="50000"/>
+            </a:schemeClr>
+          </a:lnRef>
+          <a:fillRef idx="1">
+            <a:schemeClr val="accent1"/>
+          </a:fillRef>
+          <a:effectRef idx="0">
+            <a:schemeClr val="accent1"/>
+          </a:effectRef>
+          <a:fontRef idx="minor">
+            <a:schemeClr val="lt1"/>
+          </a:fontRef>
+        </p:style>
+        <p:txBody>
+          <a:bodyPr rtlCol="0" anchor="ctr"/>
+          <a:lstStyle/>
+          <a:p>
+            <a:pPr algn="ctr"/>
+            <a:endParaRPr lang="en-US"/>
+          </a:p>
+        </p:txBody>
+      </p:sp>
+      <p:sp>
+        <p:nvSpPr>
+          <p:cNvPr id="21" name="Star: 5 Points 20">
+            <a:extLst>
+              <a:ext uri="{FF2B5EF4-FFF2-40B4-BE49-F238E27FC236}">
+                <a16:creationId xmlns:a16="http://schemas.microsoft.com/office/drawing/2014/main" id="{CE65EA99-CB57-46F1-942C-3DF0619FDD6A}"/>
+              </a:ext>
+            </a:extLst>
+          </p:cNvPr>
+          <p:cNvSpPr/>
+          <p:nvPr/>
+        </p:nvSpPr>
+        <p:spPr>
+          <a:xfrm>
+            <a:off x="7107171" y="3300185"/>
+            <a:ext cx="191915" cy="142874"/>
+          </a:xfrm>
+          <a:prstGeom prst="star5">
+            <a:avLst/>
+          </a:prstGeom>
+          <a:solidFill>
+            <a:schemeClr val="tx1"/>
+          </a:solidFill>
+          <a:ln>
+            <a:solidFill>
+              <a:schemeClr val="tx1"/>
+            </a:solidFill>
+          </a:ln>
+        </p:spPr>
+        <p:style>
+          <a:lnRef idx="2">
+            <a:schemeClr val="accent1">
+              <a:shade val="50000"/>
+            </a:schemeClr>
+          </a:lnRef>
+          <a:fillRef idx="1">
+            <a:schemeClr val="accent1"/>
+          </a:fillRef>
+          <a:effectRef idx="0">
+            <a:schemeClr val="accent1"/>
+          </a:effectRef>
+          <a:fontRef idx="minor">
+            <a:schemeClr val="lt1"/>
+          </a:fontRef>
+        </p:style>
+        <p:txBody>
+          <a:bodyPr rtlCol="0" anchor="ctr"/>
+          <a:lstStyle/>
+          <a:p>
+            <a:pPr algn="ctr"/>
+            <a:endParaRPr lang="en-US"/>
+          </a:p>
+        </p:txBody>
+      </p:sp>
+      <p:sp>
+        <p:nvSpPr>
+          <p:cNvPr id="22" name="Star: 5 Points 21">
+            <a:extLst>
+              <a:ext uri="{FF2B5EF4-FFF2-40B4-BE49-F238E27FC236}">
+                <a16:creationId xmlns:a16="http://schemas.microsoft.com/office/drawing/2014/main" id="{D311CA2F-A6F6-4755-87DC-27391901B9BD}"/>
+              </a:ext>
+            </a:extLst>
+          </p:cNvPr>
+          <p:cNvSpPr/>
+          <p:nvPr/>
+        </p:nvSpPr>
+        <p:spPr>
+          <a:xfrm>
+            <a:off x="7299086" y="3595458"/>
+            <a:ext cx="191915" cy="142874"/>
+          </a:xfrm>
+          <a:prstGeom prst="star5">
+            <a:avLst/>
+          </a:prstGeom>
+          <a:solidFill>
+            <a:schemeClr val="tx1"/>
+          </a:solidFill>
+          <a:ln>
+            <a:solidFill>
+              <a:schemeClr val="tx1"/>
+            </a:solidFill>
+          </a:ln>
+        </p:spPr>
+        <p:style>
+          <a:lnRef idx="2">
+            <a:schemeClr val="accent1">
+              <a:shade val="50000"/>
+            </a:schemeClr>
+          </a:lnRef>
+          <a:fillRef idx="1">
+            <a:schemeClr val="accent1"/>
+          </a:fillRef>
+          <a:effectRef idx="0">
+            <a:schemeClr val="accent1"/>
+          </a:effectRef>
+          <a:fontRef idx="minor">
+            <a:schemeClr val="lt1"/>
+          </a:fontRef>
+        </p:style>
+        <p:txBody>
+          <a:bodyPr rtlCol="0" anchor="ctr"/>
+          <a:lstStyle/>
+          <a:p>
+            <a:pPr algn="ctr"/>
+            <a:endParaRPr lang="en-US"/>
+          </a:p>
+        </p:txBody>
+      </p:sp>
+      <p:sp>
+        <p:nvSpPr>
+          <p:cNvPr id="23" name="Star: 5 Points 22">
+            <a:extLst>
+              <a:ext uri="{FF2B5EF4-FFF2-40B4-BE49-F238E27FC236}">
+                <a16:creationId xmlns:a16="http://schemas.microsoft.com/office/drawing/2014/main" id="{2BB0461F-120F-4893-9F11-5AB06D03F8F7}"/>
+              </a:ext>
+            </a:extLst>
+          </p:cNvPr>
+          <p:cNvSpPr/>
+          <p:nvPr/>
+        </p:nvSpPr>
+        <p:spPr>
+          <a:xfrm>
+            <a:off x="7669146" y="3524021"/>
+            <a:ext cx="191915" cy="142874"/>
+          </a:xfrm>
+          <a:prstGeom prst="star5">
+            <a:avLst/>
+          </a:prstGeom>
+          <a:solidFill>
+            <a:schemeClr val="tx1"/>
+          </a:solidFill>
+          <a:ln>
+            <a:solidFill>
+              <a:schemeClr val="tx1"/>
+            </a:solidFill>
+          </a:ln>
+        </p:spPr>
+        <p:style>
+          <a:lnRef idx="2">
+            <a:schemeClr val="accent1">
+              <a:shade val="50000"/>
+            </a:schemeClr>
+          </a:lnRef>
+          <a:fillRef idx="1">
+            <a:schemeClr val="accent1"/>
+          </a:fillRef>
+          <a:effectRef idx="0">
+            <a:schemeClr val="accent1"/>
+          </a:effectRef>
+          <a:fontRef idx="minor">
+            <a:schemeClr val="lt1"/>
+          </a:fontRef>
+        </p:style>
+        <p:txBody>
+          <a:bodyPr rtlCol="0" anchor="ctr"/>
+          <a:lstStyle/>
+          <a:p>
+            <a:pPr algn="ctr"/>
+            <a:endParaRPr lang="en-US"/>
+          </a:p>
+        </p:txBody>
+      </p:sp>
+      <p:sp>
+        <p:nvSpPr>
+          <p:cNvPr id="24" name="Star: 5 Points 23">
+            <a:extLst>
+              <a:ext uri="{FF2B5EF4-FFF2-40B4-BE49-F238E27FC236}">
+                <a16:creationId xmlns:a16="http://schemas.microsoft.com/office/drawing/2014/main" id="{B9DAF0A4-2E3F-4290-8D5B-21016FA40312}"/>
+              </a:ext>
+            </a:extLst>
+          </p:cNvPr>
+          <p:cNvSpPr/>
+          <p:nvPr/>
+        </p:nvSpPr>
+        <p:spPr>
+          <a:xfrm>
+            <a:off x="8081326" y="3037733"/>
+            <a:ext cx="191915" cy="142874"/>
+          </a:xfrm>
+          <a:prstGeom prst="star5">
+            <a:avLst/>
+          </a:prstGeom>
+          <a:solidFill>
+            <a:schemeClr val="tx1"/>
+          </a:solidFill>
+          <a:ln>
+            <a:solidFill>
+              <a:schemeClr val="tx1"/>
+            </a:solidFill>
+          </a:ln>
+        </p:spPr>
+        <p:style>
+          <a:lnRef idx="2">
+            <a:schemeClr val="accent1">
+              <a:shade val="50000"/>
+            </a:schemeClr>
+          </a:lnRef>
+          <a:fillRef idx="1">
+            <a:schemeClr val="accent1"/>
+          </a:fillRef>
+          <a:effectRef idx="0">
+            <a:schemeClr val="accent1"/>
+          </a:effectRef>
+          <a:fontRef idx="minor">
+            <a:schemeClr val="lt1"/>
+          </a:fontRef>
+        </p:style>
+        <p:txBody>
+          <a:bodyPr rtlCol="0" anchor="ctr"/>
+          <a:lstStyle/>
+          <a:p>
+            <a:pPr algn="ctr"/>
+            <a:endParaRPr lang="en-US"/>
+          </a:p>
+        </p:txBody>
+      </p:sp>
+      <p:sp>
+        <p:nvSpPr>
+          <p:cNvPr id="25" name="Star: 5 Points 24">
+            <a:extLst>
+              <a:ext uri="{FF2B5EF4-FFF2-40B4-BE49-F238E27FC236}">
+                <a16:creationId xmlns:a16="http://schemas.microsoft.com/office/drawing/2014/main" id="{43CCC5A0-C1A2-4A8F-823A-13A23B87F805}"/>
+              </a:ext>
+            </a:extLst>
+          </p:cNvPr>
+          <p:cNvSpPr/>
+          <p:nvPr/>
+        </p:nvSpPr>
+        <p:spPr>
+          <a:xfrm>
+            <a:off x="8735950" y="2241769"/>
+            <a:ext cx="191915" cy="142874"/>
+          </a:xfrm>
+          <a:prstGeom prst="star5">
+            <a:avLst/>
+          </a:prstGeom>
+          <a:solidFill>
+            <a:schemeClr val="tx1"/>
+          </a:solidFill>
+          <a:ln>
+            <a:solidFill>
+              <a:schemeClr val="tx1"/>
+            </a:solidFill>
+          </a:ln>
+        </p:spPr>
+        <p:style>
+          <a:lnRef idx="2">
+            <a:schemeClr val="accent1">
+              <a:shade val="50000"/>
+            </a:schemeClr>
+          </a:lnRef>
+          <a:fillRef idx="1">
+            <a:schemeClr val="accent1"/>
+          </a:fillRef>
+          <a:effectRef idx="0">
+            <a:schemeClr val="accent1"/>
+          </a:effectRef>
+          <a:fontRef idx="minor">
+            <a:schemeClr val="lt1"/>
+          </a:fontRef>
+        </p:style>
+        <p:txBody>
+          <a:bodyPr rtlCol="0" anchor="ctr"/>
+          <a:lstStyle/>
+          <a:p>
+            <a:pPr algn="ctr"/>
+            <a:endParaRPr lang="en-US"/>
+          </a:p>
+        </p:txBody>
+      </p:sp>
+      <p:sp>
+        <p:nvSpPr>
+          <p:cNvPr id="26" name="Star: 5 Points 25">
+            <a:extLst>
+              <a:ext uri="{FF2B5EF4-FFF2-40B4-BE49-F238E27FC236}">
+                <a16:creationId xmlns:a16="http://schemas.microsoft.com/office/drawing/2014/main" id="{74737EA2-F7EA-4C71-A4B8-904F4ADAC2EC}"/>
+              </a:ext>
+            </a:extLst>
+          </p:cNvPr>
+          <p:cNvSpPr/>
+          <p:nvPr/>
+        </p:nvSpPr>
+        <p:spPr>
+          <a:xfrm>
+            <a:off x="9135996" y="1641694"/>
+            <a:ext cx="191915" cy="142874"/>
+          </a:xfrm>
+          <a:prstGeom prst="star5">
+            <a:avLst/>
+          </a:prstGeom>
+          <a:solidFill>
+            <a:schemeClr val="tx1"/>
+          </a:solidFill>
+          <a:ln>
+            <a:solidFill>
+              <a:schemeClr val="tx1"/>
+            </a:solidFill>
+          </a:ln>
+        </p:spPr>
+        <p:style>
+          <a:lnRef idx="2">
+            <a:schemeClr val="accent1">
+              <a:shade val="50000"/>
+            </a:schemeClr>
+          </a:lnRef>
+          <a:fillRef idx="1">
+            <a:schemeClr val="accent1"/>
+          </a:fillRef>
+          <a:effectRef idx="0">
+            <a:schemeClr val="accent1"/>
+          </a:effectRef>
+          <a:fontRef idx="minor">
+            <a:schemeClr val="lt1"/>
+          </a:fontRef>
+        </p:style>
+        <p:txBody>
+          <a:bodyPr rtlCol="0" anchor="ctr"/>
+          <a:lstStyle/>
+          <a:p>
+            <a:pPr algn="ctr"/>
+            <a:endParaRPr lang="en-US"/>
+          </a:p>
+        </p:txBody>
+      </p:sp>
+    </p:spTree>
+    <p:extLst>
+      <p:ext uri="{BB962C8B-B14F-4D97-AF65-F5344CB8AC3E}">
+        <p14:creationId xmlns:p14="http://schemas.microsoft.com/office/powerpoint/2010/main" val="2660290663"/>
       </p:ext>
     </p:extLst>
   </p:cSld>
